--- a/esm-environment.pptx
+++ b/esm-environment.pptx
@@ -565,7 +565,7 @@
           <a:p>
             <a:fld id="{7D290233-0DD1-4A80-BB1E-9ADC3556DBB6}" type="datetimeFigureOut">
               <a:rPr lang="en-US" smtClean="0"/>
-              <a:t>6/16/18</a:t>
+              <a:t>6/18/18</a:t>
             </a:fld>
             <a:endParaRPr lang="en-US"/>
           </a:p>
@@ -1204,7 +1204,7 @@
           <a:p>
             <a:fld id="{7D290233-0DD1-4A80-BB1E-9ADC3556DBB6}" type="datetimeFigureOut">
               <a:rPr lang="en-US" smtClean="0"/>
-              <a:t>6/16/18</a:t>
+              <a:t>6/18/18</a:t>
             </a:fld>
             <a:endParaRPr lang="en-US"/>
           </a:p>
@@ -1776,7 +1776,7 @@
           <a:p>
             <a:fld id="{7D290233-0DD1-4A80-BB1E-9ADC3556DBB6}" type="datetimeFigureOut">
               <a:rPr lang="en-US" smtClean="0"/>
-              <a:t>6/16/18</a:t>
+              <a:t>6/18/18</a:t>
             </a:fld>
             <a:endParaRPr lang="en-US"/>
           </a:p>
@@ -2310,7 +2310,7 @@
           <a:p>
             <a:fld id="{7D290233-0DD1-4A80-BB1E-9ADC3556DBB6}" type="datetimeFigureOut">
               <a:rPr lang="en-US" smtClean="0"/>
-              <a:t>6/16/18</a:t>
+              <a:t>6/18/18</a:t>
             </a:fld>
             <a:endParaRPr lang="en-US"/>
           </a:p>
@@ -2740,7 +2740,7 @@
           <a:p>
             <a:fld id="{7D290233-0DD1-4A80-BB1E-9ADC3556DBB6}" type="datetimeFigureOut">
               <a:rPr lang="en-US" smtClean="0"/>
-              <a:t>6/16/18</a:t>
+              <a:t>6/18/18</a:t>
             </a:fld>
             <a:endParaRPr lang="en-US"/>
           </a:p>
@@ -3201,7 +3201,7 @@
           <a:p>
             <a:fld id="{7D290233-0DD1-4A80-BB1E-9ADC3556DBB6}" type="datetimeFigureOut">
               <a:rPr lang="en-US" smtClean="0"/>
-              <a:t>6/16/18</a:t>
+              <a:t>6/18/18</a:t>
             </a:fld>
             <a:endParaRPr lang="en-US"/>
           </a:p>
@@ -3631,7 +3631,7 @@
           <a:p>
             <a:fld id="{7D290233-0DD1-4A80-BB1E-9ADC3556DBB6}" type="datetimeFigureOut">
               <a:rPr lang="en-US" smtClean="0"/>
-              <a:t>6/16/18</a:t>
+              <a:t>6/18/18</a:t>
             </a:fld>
             <a:endParaRPr lang="en-US"/>
           </a:p>
@@ -4105,7 +4105,7 @@
           <a:p>
             <a:fld id="{7D290233-0DD1-4A80-BB1E-9ADC3556DBB6}" type="datetimeFigureOut">
               <a:rPr lang="en-US" smtClean="0"/>
-              <a:t>6/16/18</a:t>
+              <a:t>6/18/18</a:t>
             </a:fld>
             <a:endParaRPr lang="en-US"/>
           </a:p>
@@ -4555,7 +4555,7 @@
           <a:p>
             <a:fld id="{7D290233-0DD1-4A80-BB1E-9ADC3556DBB6}" type="datetimeFigureOut">
               <a:rPr lang="en-US" smtClean="0"/>
-              <a:t>6/16/18</a:t>
+              <a:t>6/18/18</a:t>
             </a:fld>
             <a:endParaRPr lang="en-US"/>
           </a:p>
@@ -5075,7 +5075,7 @@
           <a:p>
             <a:fld id="{7D290233-0DD1-4A80-BB1E-9ADC3556DBB6}" type="datetimeFigureOut">
               <a:rPr lang="en-US" smtClean="0"/>
-              <a:t>6/16/18</a:t>
+              <a:t>6/18/18</a:t>
             </a:fld>
             <a:endParaRPr lang="en-US"/>
           </a:p>
@@ -5851,7 +5851,7 @@
           <a:p>
             <a:fld id="{7D290233-0DD1-4A80-BB1E-9ADC3556DBB6}" type="datetimeFigureOut">
               <a:rPr lang="en-US" smtClean="0"/>
-              <a:t>6/16/18</a:t>
+              <a:t>6/18/18</a:t>
             </a:fld>
             <a:endParaRPr lang="en-US"/>
           </a:p>
@@ -6197,7 +6197,7 @@
           <a:p>
             <a:fld id="{7D290233-0DD1-4A80-BB1E-9ADC3556DBB6}" type="datetimeFigureOut">
               <a:rPr lang="en-US" smtClean="0"/>
-              <a:t>6/16/18</a:t>
+              <a:t>6/18/18</a:t>
             </a:fld>
             <a:endParaRPr lang="en-US"/>
           </a:p>
@@ -6466,7 +6466,7 @@
           <a:p>
             <a:fld id="{7D290233-0DD1-4A80-BB1E-9ADC3556DBB6}" type="datetimeFigureOut">
               <a:rPr lang="en-US" smtClean="0"/>
-              <a:t>6/16/18</a:t>
+              <a:t>6/18/18</a:t>
             </a:fld>
             <a:endParaRPr lang="en-US"/>
           </a:p>
@@ -7051,7 +7051,7 @@
           <a:p>
             <a:fld id="{7D290233-0DD1-4A80-BB1E-9ADC3556DBB6}" type="datetimeFigureOut">
               <a:rPr lang="en-US" smtClean="0"/>
-              <a:t>6/16/18</a:t>
+              <a:t>6/18/18</a:t>
             </a:fld>
             <a:endParaRPr lang="en-US"/>
           </a:p>
@@ -7289,7 +7289,7 @@
           <a:p>
             <a:fld id="{7D290233-0DD1-4A80-BB1E-9ADC3556DBB6}" type="datetimeFigureOut">
               <a:rPr lang="en-US" smtClean="0"/>
-              <a:t>6/16/18</a:t>
+              <a:t>6/18/18</a:t>
             </a:fld>
             <a:endParaRPr lang="en-US"/>
           </a:p>
@@ -7850,6 +7850,13 @@
   <p:clrMapOvr>
     <a:masterClrMapping/>
   </p:clrMapOvr>
+  <p:timing>
+    <p:tnLst>
+      <p:par>
+        <p:cTn id="1" dur="indefinite" restart="never" nodeType="tmRoot"/>
+      </p:par>
+    </p:tnLst>
+  </p:timing>
 </p:sld>
 </file>
 
@@ -8278,6 +8285,13 @@
   <p:clrMapOvr>
     <a:masterClrMapping/>
   </p:clrMapOvr>
+  <p:timing>
+    <p:tnLst>
+      <p:par>
+        <p:cTn id="1" dur="indefinite" restart="never" nodeType="tmRoot"/>
+      </p:par>
+    </p:tnLst>
+  </p:timing>
 </p:sld>
 </file>
 
@@ -8485,6 +8499,13 @@
   <p:clrMapOvr>
     <a:masterClrMapping/>
   </p:clrMapOvr>
+  <p:timing>
+    <p:tnLst>
+      <p:par>
+        <p:cTn id="1" dur="indefinite" restart="never" nodeType="tmRoot"/>
+      </p:par>
+    </p:tnLst>
+  </p:timing>
 </p:sld>
 </file>
 
@@ -9299,6 +9320,13 @@
   <p:clrMapOvr>
     <a:masterClrMapping/>
   </p:clrMapOvr>
+  <p:timing>
+    <p:tnLst>
+      <p:par>
+        <p:cTn id="1" dur="indefinite" restart="never" nodeType="tmRoot"/>
+      </p:par>
+    </p:tnLst>
+  </p:timing>
 </p:sld>
 </file>
 
@@ -9642,6 +9670,13 @@
   <p:clrMapOvr>
     <a:masterClrMapping/>
   </p:clrMapOvr>
+  <p:timing>
+    <p:tnLst>
+      <p:par>
+        <p:cTn id="1" dur="indefinite" restart="never" nodeType="tmRoot"/>
+      </p:par>
+    </p:tnLst>
+  </p:timing>
 </p:sld>
 </file>
 
@@ -10003,11 +10038,6 @@
               </a:rPr>
               <a:t>'</a:t>
             </a:r>
-            <a:endParaRPr lang="de-DE" dirty="0">
-              <a:latin typeface="STIXNonUnicode-Regular" charset="0"/>
-              <a:ea typeface="STIXNonUnicode-Regular" charset="0"/>
-              <a:cs typeface="STIXNonUnicode-Regular" charset="0"/>
-            </a:endParaRPr>
           </a:p>
         </p:txBody>
       </p:sp>
@@ -10021,6 +10051,13 @@
   <p:clrMapOvr>
     <a:masterClrMapping/>
   </p:clrMapOvr>
+  <p:timing>
+    <p:tnLst>
+      <p:par>
+        <p:cTn id="1" dur="indefinite" restart="never" nodeType="tmRoot"/>
+      </p:par>
+    </p:tnLst>
+  </p:timing>
 </p:sld>
 </file>
 
@@ -10510,6 +10547,13 @@
   <p:clrMapOvr>
     <a:masterClrMapping/>
   </p:clrMapOvr>
+  <p:timing>
+    <p:tnLst>
+      <p:par>
+        <p:cTn id="1" dur="indefinite" restart="never" nodeType="tmRoot"/>
+      </p:par>
+    </p:tnLst>
+  </p:timing>
 </p:sld>
 </file>
 
